--- a/H6.pptx
+++ b/H6.pptx
@@ -3006,6 +3006,76 @@
           </a:extLst>
         </p:spPr>
       </p:pic>
+      <p:cxnSp>
+        <p:nvCxnSpPr>
+          <p:cNvPr id="3" name="Rechte verbindingslijn 2"/>
+          <p:cNvCxnSpPr/>
+          <p:nvPr/>
+        </p:nvCxnSpPr>
+        <p:spPr>
+          <a:xfrm>
+            <a:off x="4012163" y="3419669"/>
+            <a:ext cx="1073020" cy="391887"/>
+          </a:xfrm>
+          <a:prstGeom prst="line">
+            <a:avLst/>
+          </a:prstGeom>
+          <a:ln w="57150">
+            <a:solidFill>
+              <a:srgbClr val="00B050"/>
+            </a:solidFill>
+          </a:ln>
+        </p:spPr>
+        <p:style>
+          <a:lnRef idx="1">
+            <a:schemeClr val="accent1"/>
+          </a:lnRef>
+          <a:fillRef idx="0">
+            <a:schemeClr val="accent1"/>
+          </a:fillRef>
+          <a:effectRef idx="0">
+            <a:schemeClr val="accent1"/>
+          </a:effectRef>
+          <a:fontRef idx="minor">
+            <a:schemeClr val="tx1"/>
+          </a:fontRef>
+        </p:style>
+      </p:cxnSp>
+      <p:cxnSp>
+        <p:nvCxnSpPr>
+          <p:cNvPr id="8" name="Rechte verbindingslijn 7"/>
+          <p:cNvCxnSpPr/>
+          <p:nvPr/>
+        </p:nvCxnSpPr>
+        <p:spPr>
+          <a:xfrm>
+            <a:off x="4743060" y="3251718"/>
+            <a:ext cx="1073020" cy="391887"/>
+          </a:xfrm>
+          <a:prstGeom prst="line">
+            <a:avLst/>
+          </a:prstGeom>
+          <a:ln w="57150">
+            <a:solidFill>
+              <a:srgbClr val="FF0000"/>
+            </a:solidFill>
+          </a:ln>
+        </p:spPr>
+        <p:style>
+          <a:lnRef idx="1">
+            <a:schemeClr val="accent1"/>
+          </a:lnRef>
+          <a:fillRef idx="0">
+            <a:schemeClr val="accent1"/>
+          </a:fillRef>
+          <a:effectRef idx="0">
+            <a:schemeClr val="accent1"/>
+          </a:effectRef>
+          <a:fontRef idx="minor">
+            <a:schemeClr val="tx1"/>
+          </a:fontRef>
+        </p:style>
+      </p:cxnSp>
     </p:spTree>
     <p:extLst>
       <p:ext uri="{BB962C8B-B14F-4D97-AF65-F5344CB8AC3E}">
@@ -3068,6 +3138,76 @@
           </a:ln>
         </p:spPr>
       </p:pic>
+      <p:cxnSp>
+        <p:nvCxnSpPr>
+          <p:cNvPr id="6" name="Rechte verbindingslijn 5"/>
+          <p:cNvCxnSpPr/>
+          <p:nvPr/>
+        </p:nvCxnSpPr>
+        <p:spPr>
+          <a:xfrm>
+            <a:off x="4516016" y="3107094"/>
+            <a:ext cx="690465" cy="247263"/>
+          </a:xfrm>
+          <a:prstGeom prst="line">
+            <a:avLst/>
+          </a:prstGeom>
+          <a:ln w="57150">
+            <a:solidFill>
+              <a:srgbClr val="00B050"/>
+            </a:solidFill>
+          </a:ln>
+        </p:spPr>
+        <p:style>
+          <a:lnRef idx="1">
+            <a:schemeClr val="accent1"/>
+          </a:lnRef>
+          <a:fillRef idx="0">
+            <a:schemeClr val="accent1"/>
+          </a:fillRef>
+          <a:effectRef idx="0">
+            <a:schemeClr val="accent1"/>
+          </a:effectRef>
+          <a:fontRef idx="minor">
+            <a:schemeClr val="tx1"/>
+          </a:fontRef>
+        </p:style>
+      </p:cxnSp>
+      <p:cxnSp>
+        <p:nvCxnSpPr>
+          <p:cNvPr id="7" name="Rechte verbindingslijn 6"/>
+          <p:cNvCxnSpPr/>
+          <p:nvPr/>
+        </p:nvCxnSpPr>
+        <p:spPr>
+          <a:xfrm>
+            <a:off x="5047861" y="3844212"/>
+            <a:ext cx="637591" cy="247263"/>
+          </a:xfrm>
+          <a:prstGeom prst="line">
+            <a:avLst/>
+          </a:prstGeom>
+          <a:ln w="57150">
+            <a:solidFill>
+              <a:srgbClr val="FF0000"/>
+            </a:solidFill>
+          </a:ln>
+        </p:spPr>
+        <p:style>
+          <a:lnRef idx="1">
+            <a:schemeClr val="accent1"/>
+          </a:lnRef>
+          <a:fillRef idx="0">
+            <a:schemeClr val="accent1"/>
+          </a:fillRef>
+          <a:effectRef idx="0">
+            <a:schemeClr val="accent1"/>
+          </a:effectRef>
+          <a:fontRef idx="minor">
+            <a:schemeClr val="tx1"/>
+          </a:fontRef>
+        </p:style>
+      </p:cxnSp>
     </p:spTree>
     <p:extLst>
       <p:ext uri="{BB962C8B-B14F-4D97-AF65-F5344CB8AC3E}">
@@ -3130,6 +3270,76 @@
           </a:ln>
         </p:spPr>
       </p:pic>
+      <p:cxnSp>
+        <p:nvCxnSpPr>
+          <p:cNvPr id="5" name="Rechte verbindingslijn 4"/>
+          <p:cNvCxnSpPr/>
+          <p:nvPr/>
+        </p:nvCxnSpPr>
+        <p:spPr>
+          <a:xfrm>
+            <a:off x="5047861" y="2967135"/>
+            <a:ext cx="690465" cy="247263"/>
+          </a:xfrm>
+          <a:prstGeom prst="line">
+            <a:avLst/>
+          </a:prstGeom>
+          <a:ln w="57150">
+            <a:solidFill>
+              <a:srgbClr val="00B050"/>
+            </a:solidFill>
+          </a:ln>
+        </p:spPr>
+        <p:style>
+          <a:lnRef idx="1">
+            <a:schemeClr val="accent1"/>
+          </a:lnRef>
+          <a:fillRef idx="0">
+            <a:schemeClr val="accent1"/>
+          </a:fillRef>
+          <a:effectRef idx="0">
+            <a:schemeClr val="accent1"/>
+          </a:effectRef>
+          <a:fontRef idx="minor">
+            <a:schemeClr val="tx1"/>
+          </a:fontRef>
+        </p:style>
+      </p:cxnSp>
+      <p:cxnSp>
+        <p:nvCxnSpPr>
+          <p:cNvPr id="6" name="Rechte verbindingslijn 5"/>
+          <p:cNvCxnSpPr/>
+          <p:nvPr/>
+        </p:nvCxnSpPr>
+        <p:spPr>
+          <a:xfrm>
+            <a:off x="4488024" y="3956179"/>
+            <a:ext cx="637591" cy="247263"/>
+          </a:xfrm>
+          <a:prstGeom prst="line">
+            <a:avLst/>
+          </a:prstGeom>
+          <a:ln w="57150">
+            <a:solidFill>
+              <a:srgbClr val="FF0000"/>
+            </a:solidFill>
+          </a:ln>
+        </p:spPr>
+        <p:style>
+          <a:lnRef idx="1">
+            <a:schemeClr val="accent1"/>
+          </a:lnRef>
+          <a:fillRef idx="0">
+            <a:schemeClr val="accent1"/>
+          </a:fillRef>
+          <a:effectRef idx="0">
+            <a:schemeClr val="accent1"/>
+          </a:effectRef>
+          <a:fontRef idx="minor">
+            <a:schemeClr val="tx1"/>
+          </a:fontRef>
+        </p:style>
+      </p:cxnSp>
     </p:spTree>
     <p:extLst>
       <p:ext uri="{BB962C8B-B14F-4D97-AF65-F5344CB8AC3E}">
@@ -3192,6 +3402,76 @@
           </a:ln>
         </p:spPr>
       </p:pic>
+      <p:cxnSp>
+        <p:nvCxnSpPr>
+          <p:cNvPr id="5" name="Rechte verbindingslijn 4"/>
+          <p:cNvCxnSpPr/>
+          <p:nvPr/>
+        </p:nvCxnSpPr>
+        <p:spPr>
+          <a:xfrm>
+            <a:off x="5001208" y="3872205"/>
+            <a:ext cx="690465" cy="247263"/>
+          </a:xfrm>
+          <a:prstGeom prst="line">
+            <a:avLst/>
+          </a:prstGeom>
+          <a:ln w="57150">
+            <a:solidFill>
+              <a:srgbClr val="00B050"/>
+            </a:solidFill>
+          </a:ln>
+        </p:spPr>
+        <p:style>
+          <a:lnRef idx="1">
+            <a:schemeClr val="accent1"/>
+          </a:lnRef>
+          <a:fillRef idx="0">
+            <a:schemeClr val="accent1"/>
+          </a:fillRef>
+          <a:effectRef idx="0">
+            <a:schemeClr val="accent1"/>
+          </a:effectRef>
+          <a:fontRef idx="minor">
+            <a:schemeClr val="tx1"/>
+          </a:fontRef>
+        </p:style>
+      </p:cxnSp>
+      <p:cxnSp>
+        <p:nvCxnSpPr>
+          <p:cNvPr id="6" name="Rechte verbindingslijn 5"/>
+          <p:cNvCxnSpPr/>
+          <p:nvPr/>
+        </p:nvCxnSpPr>
+        <p:spPr>
+          <a:xfrm>
+            <a:off x="4534677" y="3181736"/>
+            <a:ext cx="637591" cy="247263"/>
+          </a:xfrm>
+          <a:prstGeom prst="line">
+            <a:avLst/>
+          </a:prstGeom>
+          <a:ln w="57150">
+            <a:solidFill>
+              <a:srgbClr val="FF0000"/>
+            </a:solidFill>
+          </a:ln>
+        </p:spPr>
+        <p:style>
+          <a:lnRef idx="1">
+            <a:schemeClr val="accent1"/>
+          </a:lnRef>
+          <a:fillRef idx="0">
+            <a:schemeClr val="accent1"/>
+          </a:fillRef>
+          <a:effectRef idx="0">
+            <a:schemeClr val="accent1"/>
+          </a:effectRef>
+          <a:fontRef idx="minor">
+            <a:schemeClr val="tx1"/>
+          </a:fontRef>
+        </p:style>
+      </p:cxnSp>
     </p:spTree>
     <p:extLst>
       <p:ext uri="{BB962C8B-B14F-4D97-AF65-F5344CB8AC3E}">
@@ -3256,6 +3536,76 @@
           </a:ln>
         </p:spPr>
       </p:pic>
+      <p:cxnSp>
+        <p:nvCxnSpPr>
+          <p:cNvPr id="4" name="Rechte verbindingslijn 3"/>
+          <p:cNvCxnSpPr/>
+          <p:nvPr/>
+        </p:nvCxnSpPr>
+        <p:spPr>
+          <a:xfrm>
+            <a:off x="4413380" y="3844213"/>
+            <a:ext cx="690465" cy="270588"/>
+          </a:xfrm>
+          <a:prstGeom prst="line">
+            <a:avLst/>
+          </a:prstGeom>
+          <a:ln w="57150">
+            <a:solidFill>
+              <a:srgbClr val="00B050"/>
+            </a:solidFill>
+          </a:ln>
+        </p:spPr>
+        <p:style>
+          <a:lnRef idx="1">
+            <a:schemeClr val="accent1"/>
+          </a:lnRef>
+          <a:fillRef idx="0">
+            <a:schemeClr val="accent1"/>
+          </a:fillRef>
+          <a:effectRef idx="0">
+            <a:schemeClr val="accent1"/>
+          </a:effectRef>
+          <a:fontRef idx="minor">
+            <a:schemeClr val="tx1"/>
+          </a:fontRef>
+        </p:style>
+      </p:cxnSp>
+      <p:cxnSp>
+        <p:nvCxnSpPr>
+          <p:cNvPr id="5" name="Rechte verbindingslijn 4"/>
+          <p:cNvCxnSpPr/>
+          <p:nvPr/>
+        </p:nvCxnSpPr>
+        <p:spPr>
+          <a:xfrm>
+            <a:off x="5122507" y="3060438"/>
+            <a:ext cx="637591" cy="247263"/>
+          </a:xfrm>
+          <a:prstGeom prst="line">
+            <a:avLst/>
+          </a:prstGeom>
+          <a:ln w="57150">
+            <a:solidFill>
+              <a:srgbClr val="FF0000"/>
+            </a:solidFill>
+          </a:ln>
+        </p:spPr>
+        <p:style>
+          <a:lnRef idx="1">
+            <a:schemeClr val="accent1"/>
+          </a:lnRef>
+          <a:fillRef idx="0">
+            <a:schemeClr val="accent1"/>
+          </a:fillRef>
+          <a:effectRef idx="0">
+            <a:schemeClr val="accent1"/>
+          </a:effectRef>
+          <a:fontRef idx="minor">
+            <a:schemeClr val="tx1"/>
+          </a:fontRef>
+        </p:style>
+      </p:cxnSp>
     </p:spTree>
     <p:extLst>
       <p:ext uri="{BB962C8B-B14F-4D97-AF65-F5344CB8AC3E}">

--- a/H6.pptx
+++ b/H6.pptx
@@ -5,11 +5,12 @@
     <p:sldMasterId id="2147483648" r:id="rId1"/>
   </p:sldMasterIdLst>
   <p:sldIdLst>
-    <p:sldId id="259" r:id="rId2"/>
-    <p:sldId id="262" r:id="rId3"/>
-    <p:sldId id="266" r:id="rId4"/>
-    <p:sldId id="267" r:id="rId5"/>
-    <p:sldId id="265" r:id="rId6"/>
+    <p:sldId id="268" r:id="rId2"/>
+    <p:sldId id="259" r:id="rId3"/>
+    <p:sldId id="262" r:id="rId4"/>
+    <p:sldId id="266" r:id="rId5"/>
+    <p:sldId id="267" r:id="rId6"/>
+    <p:sldId id="265" r:id="rId7"/>
   </p:sldIdLst>
   <p:sldSz cx="12192000" cy="6858000"/>
   <p:notesSz cx="6858000" cy="9144000"/>
@@ -108,6 +109,11 @@
       </a:defRPr>
     </a:lvl9pPr>
   </p:defaultTextStyle>
+  <p:extLst>
+    <p:ext uri="{EFAFB233-063F-42B5-8137-9DF3F51BA10A}">
+      <p15:sldGuideLst xmlns:p15="http://schemas.microsoft.com/office/powerpoint/2012/main"/>
+    </p:ext>
+  </p:extLst>
 </p:presentation>
 </file>
 
@@ -242,7 +248,7 @@
           <a:p>
             <a:fld id="{51268E04-14E7-4B3E-A962-725489907293}" type="datetimeFigureOut">
               <a:rPr lang="en-US" smtClean="0"/>
-              <a:t>3/9/2020</a:t>
+              <a:t>3/11/2020</a:t>
             </a:fld>
             <a:endParaRPr lang="en-US"/>
           </a:p>
@@ -412,7 +418,7 @@
           <a:p>
             <a:fld id="{51268E04-14E7-4B3E-A962-725489907293}" type="datetimeFigureOut">
               <a:rPr lang="en-US" smtClean="0"/>
-              <a:t>3/9/2020</a:t>
+              <a:t>3/11/2020</a:t>
             </a:fld>
             <a:endParaRPr lang="en-US"/>
           </a:p>
@@ -592,7 +598,7 @@
           <a:p>
             <a:fld id="{51268E04-14E7-4B3E-A962-725489907293}" type="datetimeFigureOut">
               <a:rPr lang="en-US" smtClean="0"/>
-              <a:t>3/9/2020</a:t>
+              <a:t>3/11/2020</a:t>
             </a:fld>
             <a:endParaRPr lang="en-US"/>
           </a:p>
@@ -762,7 +768,7 @@
           <a:p>
             <a:fld id="{51268E04-14E7-4B3E-A962-725489907293}" type="datetimeFigureOut">
               <a:rPr lang="en-US" smtClean="0"/>
-              <a:t>3/9/2020</a:t>
+              <a:t>3/11/2020</a:t>
             </a:fld>
             <a:endParaRPr lang="en-US"/>
           </a:p>
@@ -1008,7 +1014,7 @@
           <a:p>
             <a:fld id="{51268E04-14E7-4B3E-A962-725489907293}" type="datetimeFigureOut">
               <a:rPr lang="en-US" smtClean="0"/>
-              <a:t>3/9/2020</a:t>
+              <a:t>3/11/2020</a:t>
             </a:fld>
             <a:endParaRPr lang="en-US"/>
           </a:p>
@@ -1240,7 +1246,7 @@
           <a:p>
             <a:fld id="{51268E04-14E7-4B3E-A962-725489907293}" type="datetimeFigureOut">
               <a:rPr lang="en-US" smtClean="0"/>
-              <a:t>3/9/2020</a:t>
+              <a:t>3/11/2020</a:t>
             </a:fld>
             <a:endParaRPr lang="en-US"/>
           </a:p>
@@ -1607,7 +1613,7 @@
           <a:p>
             <a:fld id="{51268E04-14E7-4B3E-A962-725489907293}" type="datetimeFigureOut">
               <a:rPr lang="en-US" smtClean="0"/>
-              <a:t>3/9/2020</a:t>
+              <a:t>3/11/2020</a:t>
             </a:fld>
             <a:endParaRPr lang="en-US"/>
           </a:p>
@@ -1725,7 +1731,7 @@
           <a:p>
             <a:fld id="{51268E04-14E7-4B3E-A962-725489907293}" type="datetimeFigureOut">
               <a:rPr lang="en-US" smtClean="0"/>
-              <a:t>3/9/2020</a:t>
+              <a:t>3/11/2020</a:t>
             </a:fld>
             <a:endParaRPr lang="en-US"/>
           </a:p>
@@ -1820,7 +1826,7 @@
           <a:p>
             <a:fld id="{51268E04-14E7-4B3E-A962-725489907293}" type="datetimeFigureOut">
               <a:rPr lang="en-US" smtClean="0"/>
-              <a:t>3/9/2020</a:t>
+              <a:t>3/11/2020</a:t>
             </a:fld>
             <a:endParaRPr lang="en-US"/>
           </a:p>
@@ -2097,7 +2103,7 @@
           <a:p>
             <a:fld id="{51268E04-14E7-4B3E-A962-725489907293}" type="datetimeFigureOut">
               <a:rPr lang="en-US" smtClean="0"/>
-              <a:t>3/9/2020</a:t>
+              <a:t>3/11/2020</a:t>
             </a:fld>
             <a:endParaRPr lang="en-US"/>
           </a:p>
@@ -2350,7 +2356,7 @@
           <a:p>
             <a:fld id="{51268E04-14E7-4B3E-A962-725489907293}" type="datetimeFigureOut">
               <a:rPr lang="en-US" smtClean="0"/>
-              <a:t>3/9/2020</a:t>
+              <a:t>3/11/2020</a:t>
             </a:fld>
             <a:endParaRPr lang="en-US"/>
           </a:p>
@@ -2563,7 +2569,7 @@
           <a:p>
             <a:fld id="{51268E04-14E7-4B3E-A962-725489907293}" type="datetimeFigureOut">
               <a:rPr lang="en-US" smtClean="0"/>
-              <a:t>3/9/2020</a:t>
+              <a:t>3/11/2020</a:t>
             </a:fld>
             <a:endParaRPr lang="en-US"/>
           </a:p>
@@ -2968,118 +2974,84 @@
           <a:chExt cx="0" cy="0"/>
         </a:xfrm>
       </p:grpSpPr>
-      <p:pic>
-        <p:nvPicPr>
-          <p:cNvPr id="4" name="Afbeelding 3"/>
-          <p:cNvPicPr>
-            <a:picLocks noChangeAspect="1"/>
-          </p:cNvPicPr>
-          <p:nvPr/>
-        </p:nvPicPr>
-        <p:blipFill rotWithShape="1">
-          <a:blip r:embed="rId2">
-            <a:grayscl/>
-            <a:extLst>
-              <a:ext uri="{28A0092B-C50C-407E-A947-70E740481C1C}">
-                <a14:useLocalDpi xmlns:a14="http://schemas.microsoft.com/office/drawing/2010/main" val="0"/>
-              </a:ext>
-            </a:extLst>
-          </a:blip>
-          <a:srcRect t="6371"/>
-          <a:stretch/>
-        </p:blipFill>
-        <p:spPr bwMode="auto">
-          <a:xfrm>
-            <a:off x="1739352" y="712124"/>
-            <a:ext cx="8713296" cy="5433753"/>
-          </a:xfrm>
-          <a:prstGeom prst="rect">
-            <a:avLst/>
-          </a:prstGeom>
-          <a:ln>
-            <a:noFill/>
-          </a:ln>
-          <a:extLst>
-            <a:ext uri="{53640926-AAD7-44D8-BBD7-CCE9431645EC}">
-              <a14:shadowObscured xmlns:a14="http://schemas.microsoft.com/office/drawing/2010/main"/>
-            </a:ext>
-          </a:extLst>
-        </p:spPr>
-      </p:pic>
-      <p:cxnSp>
-        <p:nvCxnSpPr>
-          <p:cNvPr id="3" name="Rechte verbindingslijn 2"/>
-          <p:cNvCxnSpPr/>
-          <p:nvPr/>
-        </p:nvCxnSpPr>
-        <p:spPr>
-          <a:xfrm>
-            <a:off x="4012163" y="3419669"/>
-            <a:ext cx="1073020" cy="391887"/>
-          </a:xfrm>
-          <a:prstGeom prst="line">
-            <a:avLst/>
-          </a:prstGeom>
-          <a:ln w="57150">
-            <a:solidFill>
-              <a:srgbClr val="00B050"/>
-            </a:solidFill>
-          </a:ln>
-        </p:spPr>
-        <p:style>
-          <a:lnRef idx="1">
-            <a:schemeClr val="accent1"/>
-          </a:lnRef>
-          <a:fillRef idx="0">
-            <a:schemeClr val="accent1"/>
-          </a:fillRef>
-          <a:effectRef idx="0">
-            <a:schemeClr val="accent1"/>
-          </a:effectRef>
-          <a:fontRef idx="minor">
-            <a:schemeClr val="tx1"/>
-          </a:fontRef>
-        </p:style>
-      </p:cxnSp>
-      <p:cxnSp>
-        <p:nvCxnSpPr>
-          <p:cNvPr id="8" name="Rechte verbindingslijn 7"/>
-          <p:cNvCxnSpPr/>
-          <p:nvPr/>
-        </p:nvCxnSpPr>
-        <p:spPr>
-          <a:xfrm>
-            <a:off x="4743060" y="3251718"/>
-            <a:ext cx="1073020" cy="391887"/>
-          </a:xfrm>
-          <a:prstGeom prst="line">
-            <a:avLst/>
-          </a:prstGeom>
-          <a:ln w="57150">
-            <a:solidFill>
-              <a:srgbClr val="FF0000"/>
-            </a:solidFill>
-          </a:ln>
-        </p:spPr>
-        <p:style>
-          <a:lnRef idx="1">
-            <a:schemeClr val="accent1"/>
-          </a:lnRef>
-          <a:fillRef idx="0">
-            <a:schemeClr val="accent1"/>
-          </a:fillRef>
-          <a:effectRef idx="0">
-            <a:schemeClr val="accent1"/>
-          </a:effectRef>
-          <a:fontRef idx="minor">
-            <a:schemeClr val="tx1"/>
-          </a:fontRef>
-        </p:style>
-      </p:cxnSp>
+      <p:sp>
+        <p:nvSpPr>
+          <p:cNvPr id="2" name="Titel 1"/>
+          <p:cNvSpPr>
+            <a:spLocks noGrp="1"/>
+          </p:cNvSpPr>
+          <p:nvPr>
+            <p:ph type="title"/>
+          </p:nvPr>
+        </p:nvSpPr>
+        <p:spPr/>
+        <p:txBody>
+          <a:bodyPr/>
+          <a:lstStyle/>
+          <a:p>
+            <a:endParaRPr lang="en-US"/>
+          </a:p>
+        </p:txBody>
+      </p:sp>
+      <p:sp>
+        <p:nvSpPr>
+          <p:cNvPr id="3" name="Tijdelijke aanduiding voor inhoud 2"/>
+          <p:cNvSpPr>
+            <a:spLocks noGrp="1"/>
+          </p:cNvSpPr>
+          <p:nvPr>
+            <p:ph idx="1"/>
+          </p:nvPr>
+        </p:nvSpPr>
+        <p:spPr/>
+        <p:txBody>
+          <a:bodyPr/>
+          <a:lstStyle/>
+          <a:p>
+            <a:r>
+              <a:rPr lang="en-US" dirty="0">
+                <a:hlinkClick r:id="rId2"/>
+              </a:rPr>
+              <a:t>https://</a:t>
+            </a:r>
+            <a:r>
+              <a:rPr lang="en-US" dirty="0" smtClean="0">
+                <a:hlinkClick r:id="rId2"/>
+              </a:rPr>
+              <a:t>phet.colorado.edu/sims/html/faradays-law/latest/faradays-law_en.html</a:t>
+            </a:r>
+            <a:endParaRPr lang="en-US" dirty="0" smtClean="0"/>
+          </a:p>
+          <a:p>
+            <a:r>
+              <a:rPr lang="en-US">
+                <a:hlinkClick r:id="rId3"/>
+              </a:rPr>
+              <a:t>https</a:t>
+            </a:r>
+            <a:r>
+              <a:rPr lang="en-US">
+                <a:hlinkClick r:id="rId3"/>
+              </a:rPr>
+              <a:t>://</a:t>
+            </a:r>
+            <a:r>
+              <a:rPr lang="en-US" smtClean="0">
+                <a:hlinkClick r:id="rId3"/>
+              </a:rPr>
+              <a:t>www.walter-fendt.de/html5/phnl/generator_nl.htm</a:t>
+            </a:r>
+            <a:endParaRPr lang="en-US" smtClean="0"/>
+          </a:p>
+          <a:p>
+            <a:endParaRPr lang="en-US"/>
+          </a:p>
+        </p:txBody>
+      </p:sp>
     </p:spTree>
     <p:extLst>
       <p:ext uri="{BB962C8B-B14F-4D97-AF65-F5344CB8AC3E}">
-        <p14:creationId xmlns:p14="http://schemas.microsoft.com/office/powerpoint/2010/main" val="1926008152"/>
+        <p14:creationId xmlns:p14="http://schemas.microsoft.com/office/powerpoint/2010/main" val="4102180094"/>
       </p:ext>
     </p:extLst>
   </p:cSld>
@@ -3106,112 +3078,133 @@
           <a:chExt cx="0" cy="0"/>
         </a:xfrm>
       </p:grpSpPr>
-      <p:pic>
-        <p:nvPicPr>
-          <p:cNvPr id="5" name="Afbeelding 4"/>
-          <p:cNvPicPr/>
+      <p:grpSp>
+        <p:nvGrpSpPr>
+          <p:cNvPr id="2" name="Groep 1"/>
+          <p:cNvGrpSpPr/>
           <p:nvPr/>
-        </p:nvPicPr>
-        <p:blipFill>
-          <a:blip r:embed="rId2" cstate="print">
-            <a:grayscl/>
-          </a:blip>
-          <a:srcRect/>
-          <a:stretch>
-            <a:fillRect/>
-          </a:stretch>
-        </p:blipFill>
-        <p:spPr bwMode="auto">
+        </p:nvGrpSpPr>
+        <p:grpSpPr>
           <a:xfrm>
-            <a:off x="3410712" y="678113"/>
-            <a:ext cx="5370575" cy="5501775"/>
+            <a:off x="1739352" y="1424247"/>
+            <a:ext cx="8713296" cy="5433753"/>
+            <a:chOff x="1739352" y="720437"/>
+            <a:chExt cx="8713296" cy="5433753"/>
           </a:xfrm>
-          <a:prstGeom prst="rect">
-            <a:avLst/>
-          </a:prstGeom>
-          <a:noFill/>
-          <a:ln w="9525">
-            <a:noFill/>
-            <a:miter lim="800000"/>
-            <a:headEnd/>
-            <a:tailEnd/>
-          </a:ln>
-        </p:spPr>
-      </p:pic>
-      <p:cxnSp>
-        <p:nvCxnSpPr>
-          <p:cNvPr id="6" name="Rechte verbindingslijn 5"/>
-          <p:cNvCxnSpPr/>
-          <p:nvPr/>
-        </p:nvCxnSpPr>
-        <p:spPr>
-          <a:xfrm>
-            <a:off x="4516016" y="3107094"/>
-            <a:ext cx="690465" cy="247263"/>
-          </a:xfrm>
-          <a:prstGeom prst="line">
-            <a:avLst/>
-          </a:prstGeom>
-          <a:ln w="57150">
-            <a:solidFill>
-              <a:srgbClr val="00B050"/>
-            </a:solidFill>
-          </a:ln>
-        </p:spPr>
-        <p:style>
-          <a:lnRef idx="1">
-            <a:schemeClr val="accent1"/>
-          </a:lnRef>
-          <a:fillRef idx="0">
-            <a:schemeClr val="accent1"/>
-          </a:fillRef>
-          <a:effectRef idx="0">
-            <a:schemeClr val="accent1"/>
-          </a:effectRef>
-          <a:fontRef idx="minor">
-            <a:schemeClr val="tx1"/>
-          </a:fontRef>
-        </p:style>
-      </p:cxnSp>
-      <p:cxnSp>
-        <p:nvCxnSpPr>
-          <p:cNvPr id="7" name="Rechte verbindingslijn 6"/>
-          <p:cNvCxnSpPr/>
-          <p:nvPr/>
-        </p:nvCxnSpPr>
-        <p:spPr>
-          <a:xfrm>
-            <a:off x="5047861" y="3844212"/>
-            <a:ext cx="637591" cy="247263"/>
-          </a:xfrm>
-          <a:prstGeom prst="line">
-            <a:avLst/>
-          </a:prstGeom>
-          <a:ln w="57150">
-            <a:solidFill>
-              <a:srgbClr val="FF0000"/>
-            </a:solidFill>
-          </a:ln>
-        </p:spPr>
-        <p:style>
-          <a:lnRef idx="1">
-            <a:schemeClr val="accent1"/>
-          </a:lnRef>
-          <a:fillRef idx="0">
-            <a:schemeClr val="accent1"/>
-          </a:fillRef>
-          <a:effectRef idx="0">
-            <a:schemeClr val="accent1"/>
-          </a:effectRef>
-          <a:fontRef idx="minor">
-            <a:schemeClr val="tx1"/>
-          </a:fontRef>
-        </p:style>
-      </p:cxnSp>
+        </p:grpSpPr>
+        <p:pic>
+          <p:nvPicPr>
+            <p:cNvPr id="4" name="Afbeelding 3"/>
+            <p:cNvPicPr>
+              <a:picLocks noChangeAspect="1"/>
+            </p:cNvPicPr>
+            <p:nvPr/>
+          </p:nvPicPr>
+          <p:blipFill rotWithShape="1">
+            <a:blip r:embed="rId2">
+              <a:grayscl/>
+              <a:extLst>
+                <a:ext uri="{28A0092B-C50C-407E-A947-70E740481C1C}">
+                  <a14:useLocalDpi xmlns:a14="http://schemas.microsoft.com/office/drawing/2010/main" val="0"/>
+                </a:ext>
+              </a:extLst>
+            </a:blip>
+            <a:srcRect t="6371"/>
+            <a:stretch/>
+          </p:blipFill>
+          <p:spPr bwMode="auto">
+            <a:xfrm>
+              <a:off x="1739352" y="720437"/>
+              <a:ext cx="8713296" cy="5433753"/>
+            </a:xfrm>
+            <a:prstGeom prst="rect">
+              <a:avLst/>
+            </a:prstGeom>
+            <a:ln>
+              <a:noFill/>
+            </a:ln>
+            <a:extLst>
+              <a:ext uri="{53640926-AAD7-44D8-BBD7-CCE9431645EC}">
+                <a14:shadowObscured xmlns:a14="http://schemas.microsoft.com/office/drawing/2010/main"/>
+              </a:ext>
+            </a:extLst>
+          </p:spPr>
+        </p:pic>
+        <p:cxnSp>
+          <p:nvCxnSpPr>
+            <p:cNvPr id="3" name="Rechte verbindingslijn 2"/>
+            <p:cNvCxnSpPr/>
+            <p:nvPr/>
+          </p:nvCxnSpPr>
+          <p:spPr>
+            <a:xfrm>
+              <a:off x="4012163" y="3427982"/>
+              <a:ext cx="1073020" cy="391887"/>
+            </a:xfrm>
+            <a:prstGeom prst="line">
+              <a:avLst/>
+            </a:prstGeom>
+            <a:ln w="57150">
+              <a:solidFill>
+                <a:srgbClr val="00B050"/>
+              </a:solidFill>
+            </a:ln>
+          </p:spPr>
+          <p:style>
+            <a:lnRef idx="1">
+              <a:schemeClr val="accent1"/>
+            </a:lnRef>
+            <a:fillRef idx="0">
+              <a:schemeClr val="accent1"/>
+            </a:fillRef>
+            <a:effectRef idx="0">
+              <a:schemeClr val="accent1"/>
+            </a:effectRef>
+            <a:fontRef idx="minor">
+              <a:schemeClr val="tx1"/>
+            </a:fontRef>
+          </p:style>
+        </p:cxnSp>
+        <p:cxnSp>
+          <p:nvCxnSpPr>
+            <p:cNvPr id="8" name="Rechte verbindingslijn 7"/>
+            <p:cNvCxnSpPr/>
+            <p:nvPr/>
+          </p:nvCxnSpPr>
+          <p:spPr>
+            <a:xfrm>
+              <a:off x="4743060" y="3260031"/>
+              <a:ext cx="1073020" cy="391887"/>
+            </a:xfrm>
+            <a:prstGeom prst="line">
+              <a:avLst/>
+            </a:prstGeom>
+            <a:ln w="57150">
+              <a:solidFill>
+                <a:srgbClr val="FF0000"/>
+              </a:solidFill>
+            </a:ln>
+          </p:spPr>
+          <p:style>
+            <a:lnRef idx="1">
+              <a:schemeClr val="accent1"/>
+            </a:lnRef>
+            <a:fillRef idx="0">
+              <a:schemeClr val="accent1"/>
+            </a:fillRef>
+            <a:effectRef idx="0">
+              <a:schemeClr val="accent1"/>
+            </a:effectRef>
+            <a:fontRef idx="minor">
+              <a:schemeClr val="tx1"/>
+            </a:fontRef>
+          </p:style>
+        </p:cxnSp>
+      </p:grpSp>
     </p:spTree>
     <p:extLst>
       <p:ext uri="{BB962C8B-B14F-4D97-AF65-F5344CB8AC3E}">
-        <p14:creationId xmlns:p14="http://schemas.microsoft.com/office/powerpoint/2010/main" val="748588600"/>
+        <p14:creationId xmlns:p14="http://schemas.microsoft.com/office/powerpoint/2010/main" val="1926008152"/>
       </p:ext>
     </p:extLst>
   </p:cSld>
@@ -3238,112 +3231,127 @@
           <a:chExt cx="0" cy="0"/>
         </a:xfrm>
       </p:grpSpPr>
-      <p:pic>
-        <p:nvPicPr>
-          <p:cNvPr id="4" name="Afbeelding 3"/>
-          <p:cNvPicPr/>
+      <p:grpSp>
+        <p:nvGrpSpPr>
+          <p:cNvPr id="2" name="Groep 1"/>
+          <p:cNvGrpSpPr/>
           <p:nvPr/>
-        </p:nvPicPr>
-        <p:blipFill>
-          <a:blip r:embed="rId2" cstate="print">
-            <a:grayscl/>
-          </a:blip>
-          <a:srcRect/>
-          <a:stretch>
-            <a:fillRect/>
-          </a:stretch>
-        </p:blipFill>
-        <p:spPr bwMode="auto">
+        </p:nvGrpSpPr>
+        <p:grpSpPr>
           <a:xfrm>
-            <a:off x="3410712" y="678112"/>
+            <a:off x="3410712" y="1356225"/>
             <a:ext cx="5370575" cy="5501775"/>
+            <a:chOff x="3410712" y="678113"/>
+            <a:chExt cx="5370575" cy="5501775"/>
           </a:xfrm>
-          <a:prstGeom prst="rect">
-            <a:avLst/>
-          </a:prstGeom>
-          <a:noFill/>
-          <a:ln w="9525">
+        </p:grpSpPr>
+        <p:pic>
+          <p:nvPicPr>
+            <p:cNvPr id="5" name="Afbeelding 4"/>
+            <p:cNvPicPr/>
+            <p:nvPr/>
+          </p:nvPicPr>
+          <p:blipFill>
+            <a:blip r:embed="rId2" cstate="print">
+              <a:grayscl/>
+            </a:blip>
+            <a:srcRect/>
+            <a:stretch>
+              <a:fillRect/>
+            </a:stretch>
+          </p:blipFill>
+          <p:spPr bwMode="auto">
+            <a:xfrm>
+              <a:off x="3410712" y="678113"/>
+              <a:ext cx="5370575" cy="5501775"/>
+            </a:xfrm>
+            <a:prstGeom prst="rect">
+              <a:avLst/>
+            </a:prstGeom>
             <a:noFill/>
-            <a:miter lim="800000"/>
-            <a:headEnd/>
-            <a:tailEnd/>
-          </a:ln>
-        </p:spPr>
-      </p:pic>
-      <p:cxnSp>
-        <p:nvCxnSpPr>
-          <p:cNvPr id="5" name="Rechte verbindingslijn 4"/>
-          <p:cNvCxnSpPr/>
-          <p:nvPr/>
-        </p:nvCxnSpPr>
-        <p:spPr>
-          <a:xfrm>
-            <a:off x="5047861" y="2967135"/>
-            <a:ext cx="690465" cy="247263"/>
-          </a:xfrm>
-          <a:prstGeom prst="line">
-            <a:avLst/>
-          </a:prstGeom>
-          <a:ln w="57150">
-            <a:solidFill>
-              <a:srgbClr val="00B050"/>
-            </a:solidFill>
-          </a:ln>
-        </p:spPr>
-        <p:style>
-          <a:lnRef idx="1">
-            <a:schemeClr val="accent1"/>
-          </a:lnRef>
-          <a:fillRef idx="0">
-            <a:schemeClr val="accent1"/>
-          </a:fillRef>
-          <a:effectRef idx="0">
-            <a:schemeClr val="accent1"/>
-          </a:effectRef>
-          <a:fontRef idx="minor">
-            <a:schemeClr val="tx1"/>
-          </a:fontRef>
-        </p:style>
-      </p:cxnSp>
-      <p:cxnSp>
-        <p:nvCxnSpPr>
-          <p:cNvPr id="6" name="Rechte verbindingslijn 5"/>
-          <p:cNvCxnSpPr/>
-          <p:nvPr/>
-        </p:nvCxnSpPr>
-        <p:spPr>
-          <a:xfrm>
-            <a:off x="4488024" y="3956179"/>
-            <a:ext cx="637591" cy="247263"/>
-          </a:xfrm>
-          <a:prstGeom prst="line">
-            <a:avLst/>
-          </a:prstGeom>
-          <a:ln w="57150">
-            <a:solidFill>
-              <a:srgbClr val="FF0000"/>
-            </a:solidFill>
-          </a:ln>
-        </p:spPr>
-        <p:style>
-          <a:lnRef idx="1">
-            <a:schemeClr val="accent1"/>
-          </a:lnRef>
-          <a:fillRef idx="0">
-            <a:schemeClr val="accent1"/>
-          </a:fillRef>
-          <a:effectRef idx="0">
-            <a:schemeClr val="accent1"/>
-          </a:effectRef>
-          <a:fontRef idx="minor">
-            <a:schemeClr val="tx1"/>
-          </a:fontRef>
-        </p:style>
-      </p:cxnSp>
+            <a:ln w="9525">
+              <a:noFill/>
+              <a:miter lim="800000"/>
+              <a:headEnd/>
+              <a:tailEnd/>
+            </a:ln>
+          </p:spPr>
+        </p:pic>
+        <p:cxnSp>
+          <p:nvCxnSpPr>
+            <p:cNvPr id="6" name="Rechte verbindingslijn 5"/>
+            <p:cNvCxnSpPr/>
+            <p:nvPr/>
+          </p:nvCxnSpPr>
+          <p:spPr>
+            <a:xfrm>
+              <a:off x="4516016" y="3107094"/>
+              <a:ext cx="690465" cy="247263"/>
+            </a:xfrm>
+            <a:prstGeom prst="line">
+              <a:avLst/>
+            </a:prstGeom>
+            <a:ln w="57150">
+              <a:solidFill>
+                <a:srgbClr val="00B050"/>
+              </a:solidFill>
+            </a:ln>
+          </p:spPr>
+          <p:style>
+            <a:lnRef idx="1">
+              <a:schemeClr val="accent1"/>
+            </a:lnRef>
+            <a:fillRef idx="0">
+              <a:schemeClr val="accent1"/>
+            </a:fillRef>
+            <a:effectRef idx="0">
+              <a:schemeClr val="accent1"/>
+            </a:effectRef>
+            <a:fontRef idx="minor">
+              <a:schemeClr val="tx1"/>
+            </a:fontRef>
+          </p:style>
+        </p:cxnSp>
+        <p:cxnSp>
+          <p:nvCxnSpPr>
+            <p:cNvPr id="7" name="Rechte verbindingslijn 6"/>
+            <p:cNvCxnSpPr/>
+            <p:nvPr/>
+          </p:nvCxnSpPr>
+          <p:spPr>
+            <a:xfrm>
+              <a:off x="5047861" y="3844212"/>
+              <a:ext cx="637591" cy="247263"/>
+            </a:xfrm>
+            <a:prstGeom prst="line">
+              <a:avLst/>
+            </a:prstGeom>
+            <a:ln w="57150">
+              <a:solidFill>
+                <a:srgbClr val="FF0000"/>
+              </a:solidFill>
+            </a:ln>
+          </p:spPr>
+          <p:style>
+            <a:lnRef idx="1">
+              <a:schemeClr val="accent1"/>
+            </a:lnRef>
+            <a:fillRef idx="0">
+              <a:schemeClr val="accent1"/>
+            </a:fillRef>
+            <a:effectRef idx="0">
+              <a:schemeClr val="accent1"/>
+            </a:effectRef>
+            <a:fontRef idx="minor">
+              <a:schemeClr val="tx1"/>
+            </a:fontRef>
+          </p:style>
+        </p:cxnSp>
+      </p:grpSp>
     </p:spTree>
     <p:extLst>
       <p:ext uri="{BB962C8B-B14F-4D97-AF65-F5344CB8AC3E}">
-        <p14:creationId xmlns:p14="http://schemas.microsoft.com/office/powerpoint/2010/main" val="1104691127"/>
+        <p14:creationId xmlns:p14="http://schemas.microsoft.com/office/powerpoint/2010/main" val="748588600"/>
       </p:ext>
     </p:extLst>
   </p:cSld>
@@ -3370,112 +3378,127 @@
           <a:chExt cx="0" cy="0"/>
         </a:xfrm>
       </p:grpSpPr>
-      <p:pic>
-        <p:nvPicPr>
-          <p:cNvPr id="4" name="Afbeelding 3"/>
-          <p:cNvPicPr/>
+      <p:grpSp>
+        <p:nvGrpSpPr>
+          <p:cNvPr id="2" name="Groep 1"/>
+          <p:cNvGrpSpPr/>
           <p:nvPr/>
-        </p:nvPicPr>
-        <p:blipFill>
-          <a:blip r:embed="rId2" cstate="print">
-            <a:grayscl/>
-          </a:blip>
-          <a:srcRect/>
-          <a:stretch>
-            <a:fillRect/>
-          </a:stretch>
-        </p:blipFill>
-        <p:spPr bwMode="auto">
+        </p:nvGrpSpPr>
+        <p:grpSpPr>
           <a:xfrm>
-            <a:off x="3410713" y="678112"/>
+            <a:off x="3410712" y="1356225"/>
             <a:ext cx="5370575" cy="5501775"/>
+            <a:chOff x="3410712" y="678112"/>
+            <a:chExt cx="5370575" cy="5501775"/>
           </a:xfrm>
-          <a:prstGeom prst="rect">
-            <a:avLst/>
-          </a:prstGeom>
-          <a:noFill/>
-          <a:ln w="9525">
+        </p:grpSpPr>
+        <p:pic>
+          <p:nvPicPr>
+            <p:cNvPr id="4" name="Afbeelding 3"/>
+            <p:cNvPicPr/>
+            <p:nvPr/>
+          </p:nvPicPr>
+          <p:blipFill>
+            <a:blip r:embed="rId2" cstate="print">
+              <a:grayscl/>
+            </a:blip>
+            <a:srcRect/>
+            <a:stretch>
+              <a:fillRect/>
+            </a:stretch>
+          </p:blipFill>
+          <p:spPr bwMode="auto">
+            <a:xfrm>
+              <a:off x="3410712" y="678112"/>
+              <a:ext cx="5370575" cy="5501775"/>
+            </a:xfrm>
+            <a:prstGeom prst="rect">
+              <a:avLst/>
+            </a:prstGeom>
             <a:noFill/>
-            <a:miter lim="800000"/>
-            <a:headEnd/>
-            <a:tailEnd/>
-          </a:ln>
-        </p:spPr>
-      </p:pic>
-      <p:cxnSp>
-        <p:nvCxnSpPr>
-          <p:cNvPr id="5" name="Rechte verbindingslijn 4"/>
-          <p:cNvCxnSpPr/>
-          <p:nvPr/>
-        </p:nvCxnSpPr>
-        <p:spPr>
-          <a:xfrm>
-            <a:off x="5001208" y="3872205"/>
-            <a:ext cx="690465" cy="247263"/>
-          </a:xfrm>
-          <a:prstGeom prst="line">
-            <a:avLst/>
-          </a:prstGeom>
-          <a:ln w="57150">
-            <a:solidFill>
-              <a:srgbClr val="00B050"/>
-            </a:solidFill>
-          </a:ln>
-        </p:spPr>
-        <p:style>
-          <a:lnRef idx="1">
-            <a:schemeClr val="accent1"/>
-          </a:lnRef>
-          <a:fillRef idx="0">
-            <a:schemeClr val="accent1"/>
-          </a:fillRef>
-          <a:effectRef idx="0">
-            <a:schemeClr val="accent1"/>
-          </a:effectRef>
-          <a:fontRef idx="minor">
-            <a:schemeClr val="tx1"/>
-          </a:fontRef>
-        </p:style>
-      </p:cxnSp>
-      <p:cxnSp>
-        <p:nvCxnSpPr>
-          <p:cNvPr id="6" name="Rechte verbindingslijn 5"/>
-          <p:cNvCxnSpPr/>
-          <p:nvPr/>
-        </p:nvCxnSpPr>
-        <p:spPr>
-          <a:xfrm>
-            <a:off x="4534677" y="3181736"/>
-            <a:ext cx="637591" cy="247263"/>
-          </a:xfrm>
-          <a:prstGeom prst="line">
-            <a:avLst/>
-          </a:prstGeom>
-          <a:ln w="57150">
-            <a:solidFill>
-              <a:srgbClr val="FF0000"/>
-            </a:solidFill>
-          </a:ln>
-        </p:spPr>
-        <p:style>
-          <a:lnRef idx="1">
-            <a:schemeClr val="accent1"/>
-          </a:lnRef>
-          <a:fillRef idx="0">
-            <a:schemeClr val="accent1"/>
-          </a:fillRef>
-          <a:effectRef idx="0">
-            <a:schemeClr val="accent1"/>
-          </a:effectRef>
-          <a:fontRef idx="minor">
-            <a:schemeClr val="tx1"/>
-          </a:fontRef>
-        </p:style>
-      </p:cxnSp>
+            <a:ln w="9525">
+              <a:noFill/>
+              <a:miter lim="800000"/>
+              <a:headEnd/>
+              <a:tailEnd/>
+            </a:ln>
+          </p:spPr>
+        </p:pic>
+        <p:cxnSp>
+          <p:nvCxnSpPr>
+            <p:cNvPr id="5" name="Rechte verbindingslijn 4"/>
+            <p:cNvCxnSpPr/>
+            <p:nvPr/>
+          </p:nvCxnSpPr>
+          <p:spPr>
+            <a:xfrm>
+              <a:off x="5047861" y="2967135"/>
+              <a:ext cx="690465" cy="247263"/>
+            </a:xfrm>
+            <a:prstGeom prst="line">
+              <a:avLst/>
+            </a:prstGeom>
+            <a:ln w="57150">
+              <a:solidFill>
+                <a:srgbClr val="00B050"/>
+              </a:solidFill>
+            </a:ln>
+          </p:spPr>
+          <p:style>
+            <a:lnRef idx="1">
+              <a:schemeClr val="accent1"/>
+            </a:lnRef>
+            <a:fillRef idx="0">
+              <a:schemeClr val="accent1"/>
+            </a:fillRef>
+            <a:effectRef idx="0">
+              <a:schemeClr val="accent1"/>
+            </a:effectRef>
+            <a:fontRef idx="minor">
+              <a:schemeClr val="tx1"/>
+            </a:fontRef>
+          </p:style>
+        </p:cxnSp>
+        <p:cxnSp>
+          <p:nvCxnSpPr>
+            <p:cNvPr id="6" name="Rechte verbindingslijn 5"/>
+            <p:cNvCxnSpPr/>
+            <p:nvPr/>
+          </p:nvCxnSpPr>
+          <p:spPr>
+            <a:xfrm>
+              <a:off x="4488024" y="3956179"/>
+              <a:ext cx="637591" cy="247263"/>
+            </a:xfrm>
+            <a:prstGeom prst="line">
+              <a:avLst/>
+            </a:prstGeom>
+            <a:ln w="57150">
+              <a:solidFill>
+                <a:srgbClr val="FF0000"/>
+              </a:solidFill>
+            </a:ln>
+          </p:spPr>
+          <p:style>
+            <a:lnRef idx="1">
+              <a:schemeClr val="accent1"/>
+            </a:lnRef>
+            <a:fillRef idx="0">
+              <a:schemeClr val="accent1"/>
+            </a:fillRef>
+            <a:effectRef idx="0">
+              <a:schemeClr val="accent1"/>
+            </a:effectRef>
+            <a:fontRef idx="minor">
+              <a:schemeClr val="tx1"/>
+            </a:fontRef>
+          </p:style>
+        </p:cxnSp>
+      </p:grpSp>
     </p:spTree>
     <p:extLst>
       <p:ext uri="{BB962C8B-B14F-4D97-AF65-F5344CB8AC3E}">
-        <p14:creationId xmlns:p14="http://schemas.microsoft.com/office/powerpoint/2010/main" val="3283465435"/>
+        <p14:creationId xmlns:p14="http://schemas.microsoft.com/office/powerpoint/2010/main" val="1104691127"/>
       </p:ext>
     </p:extLst>
   </p:cSld>
@@ -3502,110 +3525,272 @@
           <a:chExt cx="0" cy="0"/>
         </a:xfrm>
       </p:grpSpPr>
-      <p:pic>
-        <p:nvPicPr>
-          <p:cNvPr id="3" name="Afbeelding 2"/>
-          <p:cNvPicPr>
-            <a:picLocks noChangeAspect="1"/>
-          </p:cNvPicPr>
+      <p:grpSp>
+        <p:nvGrpSpPr>
+          <p:cNvPr id="2" name="Groep 1"/>
+          <p:cNvGrpSpPr/>
           <p:nvPr/>
-        </p:nvPicPr>
-        <p:blipFill>
-          <a:blip r:embed="rId2" cstate="print">
-            <a:grayscl/>
-          </a:blip>
-          <a:srcRect/>
-          <a:stretch>
-            <a:fillRect/>
-          </a:stretch>
-        </p:blipFill>
-        <p:spPr bwMode="auto">
+        </p:nvGrpSpPr>
+        <p:grpSpPr>
           <a:xfrm>
-            <a:off x="3410713" y="678113"/>
+            <a:off x="3410713" y="1356225"/>
             <a:ext cx="5370575" cy="5501775"/>
+            <a:chOff x="3410713" y="678112"/>
+            <a:chExt cx="5370575" cy="5501775"/>
           </a:xfrm>
-          <a:prstGeom prst="rect">
-            <a:avLst/>
-          </a:prstGeom>
-          <a:noFill/>
-          <a:ln w="9525">
+        </p:grpSpPr>
+        <p:pic>
+          <p:nvPicPr>
+            <p:cNvPr id="4" name="Afbeelding 3"/>
+            <p:cNvPicPr/>
+            <p:nvPr/>
+          </p:nvPicPr>
+          <p:blipFill>
+            <a:blip r:embed="rId2" cstate="print">
+              <a:grayscl/>
+            </a:blip>
+            <a:srcRect/>
+            <a:stretch>
+              <a:fillRect/>
+            </a:stretch>
+          </p:blipFill>
+          <p:spPr bwMode="auto">
+            <a:xfrm>
+              <a:off x="3410713" y="678112"/>
+              <a:ext cx="5370575" cy="5501775"/>
+            </a:xfrm>
+            <a:prstGeom prst="rect">
+              <a:avLst/>
+            </a:prstGeom>
             <a:noFill/>
-            <a:miter lim="800000"/>
-            <a:headEnd/>
-            <a:tailEnd/>
-          </a:ln>
-        </p:spPr>
-      </p:pic>
-      <p:cxnSp>
-        <p:nvCxnSpPr>
-          <p:cNvPr id="4" name="Rechte verbindingslijn 3"/>
-          <p:cNvCxnSpPr/>
+            <a:ln w="9525">
+              <a:noFill/>
+              <a:miter lim="800000"/>
+              <a:headEnd/>
+              <a:tailEnd/>
+            </a:ln>
+          </p:spPr>
+        </p:pic>
+        <p:cxnSp>
+          <p:nvCxnSpPr>
+            <p:cNvPr id="5" name="Rechte verbindingslijn 4"/>
+            <p:cNvCxnSpPr/>
+            <p:nvPr/>
+          </p:nvCxnSpPr>
+          <p:spPr>
+            <a:xfrm>
+              <a:off x="5001208" y="3872205"/>
+              <a:ext cx="690465" cy="247263"/>
+            </a:xfrm>
+            <a:prstGeom prst="line">
+              <a:avLst/>
+            </a:prstGeom>
+            <a:ln w="57150">
+              <a:solidFill>
+                <a:srgbClr val="00B050"/>
+              </a:solidFill>
+            </a:ln>
+          </p:spPr>
+          <p:style>
+            <a:lnRef idx="1">
+              <a:schemeClr val="accent1"/>
+            </a:lnRef>
+            <a:fillRef idx="0">
+              <a:schemeClr val="accent1"/>
+            </a:fillRef>
+            <a:effectRef idx="0">
+              <a:schemeClr val="accent1"/>
+            </a:effectRef>
+            <a:fontRef idx="minor">
+              <a:schemeClr val="tx1"/>
+            </a:fontRef>
+          </p:style>
+        </p:cxnSp>
+        <p:cxnSp>
+          <p:nvCxnSpPr>
+            <p:cNvPr id="6" name="Rechte verbindingslijn 5"/>
+            <p:cNvCxnSpPr/>
+            <p:nvPr/>
+          </p:nvCxnSpPr>
+          <p:spPr>
+            <a:xfrm>
+              <a:off x="4534677" y="3181736"/>
+              <a:ext cx="637591" cy="247263"/>
+            </a:xfrm>
+            <a:prstGeom prst="line">
+              <a:avLst/>
+            </a:prstGeom>
+            <a:ln w="57150">
+              <a:solidFill>
+                <a:srgbClr val="FF0000"/>
+              </a:solidFill>
+            </a:ln>
+          </p:spPr>
+          <p:style>
+            <a:lnRef idx="1">
+              <a:schemeClr val="accent1"/>
+            </a:lnRef>
+            <a:fillRef idx="0">
+              <a:schemeClr val="accent1"/>
+            </a:fillRef>
+            <a:effectRef idx="0">
+              <a:schemeClr val="accent1"/>
+            </a:effectRef>
+            <a:fontRef idx="minor">
+              <a:schemeClr val="tx1"/>
+            </a:fontRef>
+          </p:style>
+        </p:cxnSp>
+      </p:grpSp>
+    </p:spTree>
+    <p:extLst>
+      <p:ext uri="{BB962C8B-B14F-4D97-AF65-F5344CB8AC3E}">
+        <p14:creationId xmlns:p14="http://schemas.microsoft.com/office/powerpoint/2010/main" val="3283465435"/>
+      </p:ext>
+    </p:extLst>
+  </p:cSld>
+  <p:clrMapOvr>
+    <a:masterClrMapping/>
+  </p:clrMapOvr>
+</p:sld>
+</file>
+
+<file path=ppt/slides/slide6.xml><?xml version="1.0" encoding="utf-8"?>
+<p:sld xmlns:a="http://schemas.openxmlformats.org/drawingml/2006/main" xmlns:r="http://schemas.openxmlformats.org/officeDocument/2006/relationships" xmlns:p="http://schemas.openxmlformats.org/presentationml/2006/main">
+  <p:cSld>
+    <p:spTree>
+      <p:nvGrpSpPr>
+        <p:cNvPr id="1" name=""/>
+        <p:cNvGrpSpPr/>
+        <p:nvPr/>
+      </p:nvGrpSpPr>
+      <p:grpSpPr>
+        <a:xfrm>
+          <a:off x="0" y="0"/>
+          <a:ext cx="0" cy="0"/>
+          <a:chOff x="0" y="0"/>
+          <a:chExt cx="0" cy="0"/>
+        </a:xfrm>
+      </p:grpSpPr>
+      <p:grpSp>
+        <p:nvGrpSpPr>
+          <p:cNvPr id="2" name="Groep 1"/>
+          <p:cNvGrpSpPr/>
           <p:nvPr/>
-        </p:nvCxnSpPr>
-        <p:spPr>
+        </p:nvGrpSpPr>
+        <p:grpSpPr>
           <a:xfrm>
-            <a:off x="4413380" y="3844213"/>
-            <a:ext cx="690465" cy="270588"/>
+            <a:off x="3410713" y="1356225"/>
+            <a:ext cx="5370575" cy="5501775"/>
+            <a:chOff x="3410713" y="678113"/>
+            <a:chExt cx="5370575" cy="5501775"/>
           </a:xfrm>
-          <a:prstGeom prst="line">
-            <a:avLst/>
-          </a:prstGeom>
-          <a:ln w="57150">
-            <a:solidFill>
-              <a:srgbClr val="00B050"/>
-            </a:solidFill>
-          </a:ln>
-        </p:spPr>
-        <p:style>
-          <a:lnRef idx="1">
-            <a:schemeClr val="accent1"/>
-          </a:lnRef>
-          <a:fillRef idx="0">
-            <a:schemeClr val="accent1"/>
-          </a:fillRef>
-          <a:effectRef idx="0">
-            <a:schemeClr val="accent1"/>
-          </a:effectRef>
-          <a:fontRef idx="minor">
-            <a:schemeClr val="tx1"/>
-          </a:fontRef>
-        </p:style>
-      </p:cxnSp>
-      <p:cxnSp>
-        <p:nvCxnSpPr>
-          <p:cNvPr id="5" name="Rechte verbindingslijn 4"/>
-          <p:cNvCxnSpPr/>
-          <p:nvPr/>
-        </p:nvCxnSpPr>
-        <p:spPr>
-          <a:xfrm>
-            <a:off x="5122507" y="3060438"/>
-            <a:ext cx="637591" cy="247263"/>
-          </a:xfrm>
-          <a:prstGeom prst="line">
-            <a:avLst/>
-          </a:prstGeom>
-          <a:ln w="57150">
-            <a:solidFill>
-              <a:srgbClr val="FF0000"/>
-            </a:solidFill>
-          </a:ln>
-        </p:spPr>
-        <p:style>
-          <a:lnRef idx="1">
-            <a:schemeClr val="accent1"/>
-          </a:lnRef>
-          <a:fillRef idx="0">
-            <a:schemeClr val="accent1"/>
-          </a:fillRef>
-          <a:effectRef idx="0">
-            <a:schemeClr val="accent1"/>
-          </a:effectRef>
-          <a:fontRef idx="minor">
-            <a:schemeClr val="tx1"/>
-          </a:fontRef>
-        </p:style>
-      </p:cxnSp>
+        </p:grpSpPr>
+        <p:pic>
+          <p:nvPicPr>
+            <p:cNvPr id="3" name="Afbeelding 2"/>
+            <p:cNvPicPr>
+              <a:picLocks noChangeAspect="1"/>
+            </p:cNvPicPr>
+            <p:nvPr/>
+          </p:nvPicPr>
+          <p:blipFill>
+            <a:blip r:embed="rId2" cstate="print">
+              <a:grayscl/>
+            </a:blip>
+            <a:srcRect/>
+            <a:stretch>
+              <a:fillRect/>
+            </a:stretch>
+          </p:blipFill>
+          <p:spPr bwMode="auto">
+            <a:xfrm>
+              <a:off x="3410713" y="678113"/>
+              <a:ext cx="5370575" cy="5501775"/>
+            </a:xfrm>
+            <a:prstGeom prst="rect">
+              <a:avLst/>
+            </a:prstGeom>
+            <a:noFill/>
+            <a:ln w="9525">
+              <a:noFill/>
+              <a:miter lim="800000"/>
+              <a:headEnd/>
+              <a:tailEnd/>
+            </a:ln>
+          </p:spPr>
+        </p:pic>
+        <p:cxnSp>
+          <p:nvCxnSpPr>
+            <p:cNvPr id="4" name="Rechte verbindingslijn 3"/>
+            <p:cNvCxnSpPr/>
+            <p:nvPr/>
+          </p:nvCxnSpPr>
+          <p:spPr>
+            <a:xfrm>
+              <a:off x="4413380" y="3844213"/>
+              <a:ext cx="690465" cy="270588"/>
+            </a:xfrm>
+            <a:prstGeom prst="line">
+              <a:avLst/>
+            </a:prstGeom>
+            <a:ln w="57150">
+              <a:solidFill>
+                <a:srgbClr val="00B050"/>
+              </a:solidFill>
+            </a:ln>
+          </p:spPr>
+          <p:style>
+            <a:lnRef idx="1">
+              <a:schemeClr val="accent1"/>
+            </a:lnRef>
+            <a:fillRef idx="0">
+              <a:schemeClr val="accent1"/>
+            </a:fillRef>
+            <a:effectRef idx="0">
+              <a:schemeClr val="accent1"/>
+            </a:effectRef>
+            <a:fontRef idx="minor">
+              <a:schemeClr val="tx1"/>
+            </a:fontRef>
+          </p:style>
+        </p:cxnSp>
+        <p:cxnSp>
+          <p:nvCxnSpPr>
+            <p:cNvPr id="5" name="Rechte verbindingslijn 4"/>
+            <p:cNvCxnSpPr/>
+            <p:nvPr/>
+          </p:nvCxnSpPr>
+          <p:spPr>
+            <a:xfrm>
+              <a:off x="5122507" y="3060438"/>
+              <a:ext cx="637591" cy="247263"/>
+            </a:xfrm>
+            <a:prstGeom prst="line">
+              <a:avLst/>
+            </a:prstGeom>
+            <a:ln w="57150">
+              <a:solidFill>
+                <a:srgbClr val="FF0000"/>
+              </a:solidFill>
+            </a:ln>
+          </p:spPr>
+          <p:style>
+            <a:lnRef idx="1">
+              <a:schemeClr val="accent1"/>
+            </a:lnRef>
+            <a:fillRef idx="0">
+              <a:schemeClr val="accent1"/>
+            </a:fillRef>
+            <a:effectRef idx="0">
+              <a:schemeClr val="accent1"/>
+            </a:effectRef>
+            <a:fontRef idx="minor">
+              <a:schemeClr val="tx1"/>
+            </a:fontRef>
+          </p:style>
+        </p:cxnSp>
+      </p:grpSp>
     </p:spTree>
     <p:extLst>
       <p:ext uri="{BB962C8B-B14F-4D97-AF65-F5344CB8AC3E}">

--- a/H6.pptx
+++ b/H6.pptx
@@ -3024,27 +3024,21 @@
           </a:p>
           <a:p>
             <a:r>
-              <a:rPr lang="en-US">
+              <a:rPr lang="en-US" dirty="0">
                 <a:hlinkClick r:id="rId3"/>
               </a:rPr>
-              <a:t>https</a:t>
-            </a:r>
-            <a:r>
-              <a:rPr lang="en-US">
-                <a:hlinkClick r:id="rId3"/>
-              </a:rPr>
-              <a:t>://</a:t>
-            </a:r>
-            <a:r>
-              <a:rPr lang="en-US" smtClean="0">
+              <a:t>https://</a:t>
+            </a:r>
+            <a:r>
+              <a:rPr lang="en-US" dirty="0" smtClean="0">
                 <a:hlinkClick r:id="rId3"/>
               </a:rPr>
               <a:t>www.walter-fendt.de/html5/phnl/generator_nl.htm</a:t>
             </a:r>
-            <a:endParaRPr lang="en-US" smtClean="0"/>
-          </a:p>
-          <a:p>
-            <a:endParaRPr lang="en-US"/>
+            <a:endParaRPr lang="en-US" dirty="0" smtClean="0"/>
+          </a:p>
+          <a:p>
+            <a:endParaRPr lang="en-US" dirty="0"/>
           </a:p>
         </p:txBody>
       </p:sp>
@@ -3058,6 +3052,13 @@
   <p:clrMapOvr>
     <a:masterClrMapping/>
   </p:clrMapOvr>
+  <p:timing>
+    <p:tnLst>
+      <p:par>
+        <p:cTn id="1" dur="indefinite" restart="never" nodeType="tmRoot"/>
+      </p:par>
+    </p:tnLst>
+  </p:timing>
 </p:sld>
 </file>
 
@@ -3211,6 +3212,13 @@
   <p:clrMapOvr>
     <a:masterClrMapping/>
   </p:clrMapOvr>
+  <p:timing>
+    <p:tnLst>
+      <p:par>
+        <p:cTn id="1" dur="indefinite" restart="never" nodeType="tmRoot"/>
+      </p:par>
+    </p:tnLst>
+  </p:timing>
 </p:sld>
 </file>
 
@@ -3358,6 +3366,13 @@
   <p:clrMapOvr>
     <a:masterClrMapping/>
   </p:clrMapOvr>
+  <p:timing>
+    <p:tnLst>
+      <p:par>
+        <p:cTn id="1" dur="indefinite" restart="never" nodeType="tmRoot"/>
+      </p:par>
+    </p:tnLst>
+  </p:timing>
 </p:sld>
 </file>
 
@@ -3505,6 +3520,13 @@
   <p:clrMapOvr>
     <a:masterClrMapping/>
   </p:clrMapOvr>
+  <p:timing>
+    <p:tnLst>
+      <p:par>
+        <p:cTn id="1" dur="indefinite" restart="never" nodeType="tmRoot"/>
+      </p:par>
+    </p:tnLst>
+  </p:timing>
 </p:sld>
 </file>
 
@@ -3652,6 +3674,13 @@
   <p:clrMapOvr>
     <a:masterClrMapping/>
   </p:clrMapOvr>
+  <p:timing>
+    <p:tnLst>
+      <p:par>
+        <p:cTn id="1" dur="indefinite" restart="never" nodeType="tmRoot"/>
+      </p:par>
+    </p:tnLst>
+  </p:timing>
 </p:sld>
 </file>
 
@@ -3801,6 +3830,13 @@
   <p:clrMapOvr>
     <a:masterClrMapping/>
   </p:clrMapOvr>
+  <p:timing>
+    <p:tnLst>
+      <p:par>
+        <p:cTn id="1" dur="indefinite" restart="never" nodeType="tmRoot"/>
+      </p:par>
+    </p:tnLst>
+  </p:timing>
 </p:sld>
 </file>
 
